--- a/topic09/talk-01/mongoDB-2020.pptx
+++ b/topic09/talk-01/mongoDB-2020.pptx
@@ -403,7 +403,7 @@
           <a:p>
             <a:fld id="{E753CC8B-2C22-4294-82AF-E18635F6C8A8}" type="datetimeFigureOut">
               <a:rPr lang="en-US" smtClean="0"/>
-              <a:t>11/16/2022</a:t>
+              <a:t>11/21/2022</a:t>
             </a:fld>
             <a:endParaRPr lang="en-US"/>
           </a:p>
@@ -1568,7 +1568,7 @@
           <a:p>
             <a:fld id="{B9A3E4E1-EAAE-4738-8551-BAE8BA49A08B}" type="datetimeFigureOut">
               <a:rPr lang="en-US" smtClean="0"/>
-              <a:t>11/16/2022</a:t>
+              <a:t>11/21/2022</a:t>
             </a:fld>
             <a:endParaRPr lang="en-US"/>
           </a:p>
@@ -1736,7 +1736,7 @@
           <a:p>
             <a:fld id="{B9A3E4E1-EAAE-4738-8551-BAE8BA49A08B}" type="datetimeFigureOut">
               <a:rPr lang="en-US" smtClean="0"/>
-              <a:t>11/16/2022</a:t>
+              <a:t>11/21/2022</a:t>
             </a:fld>
             <a:endParaRPr lang="en-US"/>
           </a:p>
@@ -1914,7 +1914,7 @@
           <a:p>
             <a:fld id="{B9A3E4E1-EAAE-4738-8551-BAE8BA49A08B}" type="datetimeFigureOut">
               <a:rPr lang="en-US" smtClean="0"/>
-              <a:t>11/16/2022</a:t>
+              <a:t>11/21/2022</a:t>
             </a:fld>
             <a:endParaRPr lang="en-US"/>
           </a:p>
@@ -2082,7 +2082,7 @@
           <a:p>
             <a:fld id="{B9A3E4E1-EAAE-4738-8551-BAE8BA49A08B}" type="datetimeFigureOut">
               <a:rPr lang="en-US" smtClean="0"/>
-              <a:t>11/16/2022</a:t>
+              <a:t>11/21/2022</a:t>
             </a:fld>
             <a:endParaRPr lang="en-US"/>
           </a:p>
@@ -2327,7 +2327,7 @@
           <a:p>
             <a:fld id="{B9A3E4E1-EAAE-4738-8551-BAE8BA49A08B}" type="datetimeFigureOut">
               <a:rPr lang="en-US" smtClean="0"/>
-              <a:t>11/16/2022</a:t>
+              <a:t>11/21/2022</a:t>
             </a:fld>
             <a:endParaRPr lang="en-US"/>
           </a:p>
@@ -2612,7 +2612,7 @@
           <a:p>
             <a:fld id="{B9A3E4E1-EAAE-4738-8551-BAE8BA49A08B}" type="datetimeFigureOut">
               <a:rPr lang="en-US" smtClean="0"/>
-              <a:t>11/16/2022</a:t>
+              <a:t>11/21/2022</a:t>
             </a:fld>
             <a:endParaRPr lang="en-US"/>
           </a:p>
@@ -3031,7 +3031,7 @@
           <a:p>
             <a:fld id="{B9A3E4E1-EAAE-4738-8551-BAE8BA49A08B}" type="datetimeFigureOut">
               <a:rPr lang="en-US" smtClean="0"/>
-              <a:t>11/16/2022</a:t>
+              <a:t>11/21/2022</a:t>
             </a:fld>
             <a:endParaRPr lang="en-US"/>
           </a:p>
@@ -3148,7 +3148,7 @@
           <a:p>
             <a:fld id="{B9A3E4E1-EAAE-4738-8551-BAE8BA49A08B}" type="datetimeFigureOut">
               <a:rPr lang="en-US" smtClean="0"/>
-              <a:t>11/16/2022</a:t>
+              <a:t>11/21/2022</a:t>
             </a:fld>
             <a:endParaRPr lang="en-US"/>
           </a:p>
@@ -3243,7 +3243,7 @@
           <a:p>
             <a:fld id="{B9A3E4E1-EAAE-4738-8551-BAE8BA49A08B}" type="datetimeFigureOut">
               <a:rPr lang="en-US" smtClean="0"/>
-              <a:t>11/16/2022</a:t>
+              <a:t>11/21/2022</a:t>
             </a:fld>
             <a:endParaRPr lang="en-US"/>
           </a:p>
@@ -3518,7 +3518,7 @@
           <a:p>
             <a:fld id="{B9A3E4E1-EAAE-4738-8551-BAE8BA49A08B}" type="datetimeFigureOut">
               <a:rPr lang="en-US" smtClean="0"/>
-              <a:t>11/16/2022</a:t>
+              <a:t>11/21/2022</a:t>
             </a:fld>
             <a:endParaRPr lang="en-US"/>
           </a:p>
@@ -3770,7 +3770,7 @@
           <a:p>
             <a:fld id="{B9A3E4E1-EAAE-4738-8551-BAE8BA49A08B}" type="datetimeFigureOut">
               <a:rPr lang="en-US" smtClean="0"/>
-              <a:t>11/16/2022</a:t>
+              <a:t>11/21/2022</a:t>
             </a:fld>
             <a:endParaRPr lang="en-US"/>
           </a:p>
@@ -3981,7 +3981,7 @@
           <a:p>
             <a:fld id="{B9A3E4E1-EAAE-4738-8551-BAE8BA49A08B}" type="datetimeFigureOut">
               <a:rPr lang="en-US" smtClean="0"/>
-              <a:t>11/16/2022</a:t>
+              <a:t>11/21/2022</a:t>
             </a:fld>
             <a:endParaRPr lang="en-US"/>
           </a:p>
@@ -15738,7 +15738,7 @@
               <a:rPr lang="en-IE" dirty="0">
                 <a:cs typeface="Calibri"/>
               </a:rPr>
-              <a:t>, promises, pr async-await </a:t>
+              <a:t>, promises, or async-await </a:t>
             </a:r>
           </a:p>
           <a:p>
